--- a/MongoDB.pptx
+++ b/MongoDB.pptx
@@ -11,6 +11,8 @@
     <p:sldId id="257" r:id="rId5"/>
     <p:sldId id="263" r:id="rId6"/>
     <p:sldId id="264" r:id="rId7"/>
+    <p:sldId id="265" r:id="rId8"/>
+    <p:sldId id="266" r:id="rId9"/>
   </p:sldIdLst>
   <p:sldSz cx="12192000" cy="6858000"/>
   <p:notesSz cx="6858000" cy="9144000"/>
@@ -264,7 +266,7 @@
           <a:p>
             <a:fld id="{F65EA627-24C7-42B5-A670-52A60440E9A7}" type="datetimeFigureOut">
               <a:rPr lang="en-US" smtClean="0"/>
-              <a:t>1/6/2023</a:t>
+              <a:t>1/12/2023</a:t>
             </a:fld>
             <a:endParaRPr lang="en-US"/>
           </a:p>
@@ -462,7 +464,7 @@
           <a:p>
             <a:fld id="{F65EA627-24C7-42B5-A670-52A60440E9A7}" type="datetimeFigureOut">
               <a:rPr lang="en-US" smtClean="0"/>
-              <a:t>1/6/2023</a:t>
+              <a:t>1/12/2023</a:t>
             </a:fld>
             <a:endParaRPr lang="en-US"/>
           </a:p>
@@ -670,7 +672,7 @@
           <a:p>
             <a:fld id="{F65EA627-24C7-42B5-A670-52A60440E9A7}" type="datetimeFigureOut">
               <a:rPr lang="en-US" smtClean="0"/>
-              <a:t>1/6/2023</a:t>
+              <a:t>1/12/2023</a:t>
             </a:fld>
             <a:endParaRPr lang="en-US"/>
           </a:p>
@@ -868,7 +870,7 @@
           <a:p>
             <a:fld id="{F65EA627-24C7-42B5-A670-52A60440E9A7}" type="datetimeFigureOut">
               <a:rPr lang="en-US" smtClean="0"/>
-              <a:t>1/6/2023</a:t>
+              <a:t>1/12/2023</a:t>
             </a:fld>
             <a:endParaRPr lang="en-US"/>
           </a:p>
@@ -1143,7 +1145,7 @@
           <a:p>
             <a:fld id="{F65EA627-24C7-42B5-A670-52A60440E9A7}" type="datetimeFigureOut">
               <a:rPr lang="en-US" smtClean="0"/>
-              <a:t>1/6/2023</a:t>
+              <a:t>1/12/2023</a:t>
             </a:fld>
             <a:endParaRPr lang="en-US"/>
           </a:p>
@@ -1408,7 +1410,7 @@
           <a:p>
             <a:fld id="{F65EA627-24C7-42B5-A670-52A60440E9A7}" type="datetimeFigureOut">
               <a:rPr lang="en-US" smtClean="0"/>
-              <a:t>1/6/2023</a:t>
+              <a:t>1/12/2023</a:t>
             </a:fld>
             <a:endParaRPr lang="en-US"/>
           </a:p>
@@ -1820,7 +1822,7 @@
           <a:p>
             <a:fld id="{F65EA627-24C7-42B5-A670-52A60440E9A7}" type="datetimeFigureOut">
               <a:rPr lang="en-US" smtClean="0"/>
-              <a:t>1/6/2023</a:t>
+              <a:t>1/12/2023</a:t>
             </a:fld>
             <a:endParaRPr lang="en-US"/>
           </a:p>
@@ -1961,7 +1963,7 @@
           <a:p>
             <a:fld id="{F65EA627-24C7-42B5-A670-52A60440E9A7}" type="datetimeFigureOut">
               <a:rPr lang="en-US" smtClean="0"/>
-              <a:t>1/6/2023</a:t>
+              <a:t>1/12/2023</a:t>
             </a:fld>
             <a:endParaRPr lang="en-US"/>
           </a:p>
@@ -2074,7 +2076,7 @@
           <a:p>
             <a:fld id="{F65EA627-24C7-42B5-A670-52A60440E9A7}" type="datetimeFigureOut">
               <a:rPr lang="en-US" smtClean="0"/>
-              <a:t>1/6/2023</a:t>
+              <a:t>1/12/2023</a:t>
             </a:fld>
             <a:endParaRPr lang="en-US"/>
           </a:p>
@@ -2385,7 +2387,7 @@
           <a:p>
             <a:fld id="{F65EA627-24C7-42B5-A670-52A60440E9A7}" type="datetimeFigureOut">
               <a:rPr lang="en-US" smtClean="0"/>
-              <a:t>1/6/2023</a:t>
+              <a:t>1/12/2023</a:t>
             </a:fld>
             <a:endParaRPr lang="en-US"/>
           </a:p>
@@ -2673,7 +2675,7 @@
           <a:p>
             <a:fld id="{F65EA627-24C7-42B5-A670-52A60440E9A7}" type="datetimeFigureOut">
               <a:rPr lang="en-US" smtClean="0"/>
-              <a:t>1/6/2023</a:t>
+              <a:t>1/12/2023</a:t>
             </a:fld>
             <a:endParaRPr lang="en-US"/>
           </a:p>
@@ -2914,7 +2916,7 @@
           <a:p>
             <a:fld id="{F65EA627-24C7-42B5-A670-52A60440E9A7}" type="datetimeFigureOut">
               <a:rPr lang="en-US" smtClean="0"/>
-              <a:t>1/6/2023</a:t>
+              <a:t>1/12/2023</a:t>
             </a:fld>
             <a:endParaRPr lang="en-US"/>
           </a:p>
@@ -7255,12 +7257,693 @@
               <a:t>Making the edit &amp; delete.</a:t>
             </a:r>
           </a:p>
+          <a:p>
+            <a:endParaRPr lang="en-US" dirty="0"/>
+          </a:p>
         </p:txBody>
       </p:sp>
     </p:spTree>
     <p:extLst>
       <p:ext uri="{BB962C8B-B14F-4D97-AF65-F5344CB8AC3E}">
         <p14:creationId xmlns:p14="http://schemas.microsoft.com/office/powerpoint/2010/main" val="1026977900"/>
+      </p:ext>
+    </p:extLst>
+  </p:cSld>
+  <p:clrMapOvr>
+    <a:masterClrMapping/>
+  </p:clrMapOvr>
+</p:sld>
+</file>
+
+<file path=ppt/slides/slide7.xml><?xml version="1.0" encoding="utf-8"?>
+<p:sld xmlns:a="http://schemas.openxmlformats.org/drawingml/2006/main" xmlns:r="http://schemas.openxmlformats.org/officeDocument/2006/relationships" xmlns:p="http://schemas.openxmlformats.org/presentationml/2006/main">
+  <p:cSld>
+    <p:spTree>
+      <p:nvGrpSpPr>
+        <p:cNvPr id="1" name=""/>
+        <p:cNvGrpSpPr/>
+        <p:nvPr/>
+      </p:nvGrpSpPr>
+      <p:grpSpPr>
+        <a:xfrm>
+          <a:off x="0" y="0"/>
+          <a:ext cx="0" cy="0"/>
+          <a:chOff x="0" y="0"/>
+          <a:chExt cx="0" cy="0"/>
+        </a:xfrm>
+      </p:grpSpPr>
+      <p:sp>
+        <p:nvSpPr>
+          <p:cNvPr id="2" name="Title 1">
+            <a:extLst>
+              <a:ext uri="{FF2B5EF4-FFF2-40B4-BE49-F238E27FC236}">
+                <a16:creationId xmlns:a16="http://schemas.microsoft.com/office/drawing/2014/main" id="{431B9883-8AE4-C6D0-9F0C-D5E120860805}"/>
+              </a:ext>
+            </a:extLst>
+          </p:cNvPr>
+          <p:cNvSpPr>
+            <a:spLocks noGrp="1"/>
+          </p:cNvSpPr>
+          <p:nvPr>
+            <p:ph type="title"/>
+          </p:nvPr>
+        </p:nvSpPr>
+        <p:spPr/>
+        <p:txBody>
+          <a:bodyPr/>
+          <a:lstStyle/>
+          <a:p>
+            <a:endParaRPr lang="en-US"/>
+          </a:p>
+        </p:txBody>
+      </p:sp>
+      <p:sp>
+        <p:nvSpPr>
+          <p:cNvPr id="3" name="Content Placeholder 2">
+            <a:extLst>
+              <a:ext uri="{FF2B5EF4-FFF2-40B4-BE49-F238E27FC236}">
+                <a16:creationId xmlns:a16="http://schemas.microsoft.com/office/drawing/2014/main" id="{84095BA7-62B7-5E72-37AD-77FB16278342}"/>
+              </a:ext>
+            </a:extLst>
+          </p:cNvPr>
+          <p:cNvSpPr>
+            <a:spLocks noGrp="1"/>
+          </p:cNvSpPr>
+          <p:nvPr>
+            <p:ph idx="1"/>
+          </p:nvPr>
+        </p:nvSpPr>
+        <p:spPr/>
+        <p:txBody>
+          <a:bodyPr/>
+          <a:lstStyle/>
+          <a:p>
+            <a:r>
+              <a:rPr lang="en-US" dirty="0"/>
+              <a:t>Creating New Users.</a:t>
+            </a:r>
+          </a:p>
+          <a:p>
+            <a:r>
+              <a:rPr lang="en-US" dirty="0"/>
+              <a:t>Working on Cart Item &amp; order.</a:t>
+            </a:r>
+          </a:p>
+          <a:p>
+            <a:r>
+              <a:rPr lang="en-US" dirty="0"/>
+              <a:t>Storing Multiple Products in the Cart.</a:t>
+            </a:r>
+          </a:p>
+          <a:p>
+            <a:r>
+              <a:rPr lang="en-US" dirty="0"/>
+              <a:t>Displaying the Cart.</a:t>
+            </a:r>
+          </a:p>
+          <a:p>
+            <a:r>
+              <a:rPr lang="en-US" dirty="0"/>
+              <a:t>Deleting cart items.</a:t>
+            </a:r>
+          </a:p>
+          <a:p>
+            <a:r>
+              <a:rPr lang="en-US" dirty="0"/>
+              <a:t>Adding an Order.</a:t>
+            </a:r>
+          </a:p>
+          <a:p>
+            <a:r>
+              <a:rPr lang="en-US" dirty="0"/>
+              <a:t>Adding Relational Order Data</a:t>
+            </a:r>
+          </a:p>
+          <a:p>
+            <a:r>
+              <a:rPr lang="en-US" dirty="0"/>
+              <a:t>Getting Order</a:t>
+            </a:r>
+          </a:p>
+        </p:txBody>
+      </p:sp>
+    </p:spTree>
+    <p:extLst>
+      <p:ext uri="{BB962C8B-B14F-4D97-AF65-F5344CB8AC3E}">
+        <p14:creationId xmlns:p14="http://schemas.microsoft.com/office/powerpoint/2010/main" val="4176488922"/>
+      </p:ext>
+    </p:extLst>
+  </p:cSld>
+  <p:clrMapOvr>
+    <a:masterClrMapping/>
+  </p:clrMapOvr>
+</p:sld>
+</file>
+
+<file path=ppt/slides/slide8.xml><?xml version="1.0" encoding="utf-8"?>
+<p:sld xmlns:a="http://schemas.openxmlformats.org/drawingml/2006/main" xmlns:r="http://schemas.openxmlformats.org/officeDocument/2006/relationships" xmlns:p="http://schemas.openxmlformats.org/presentationml/2006/main">
+  <p:cSld>
+    <p:spTree>
+      <p:nvGrpSpPr>
+        <p:cNvPr id="1" name=""/>
+        <p:cNvGrpSpPr/>
+        <p:nvPr/>
+      </p:nvGrpSpPr>
+      <p:grpSpPr>
+        <a:xfrm>
+          <a:off x="0" y="0"/>
+          <a:ext cx="0" cy="0"/>
+          <a:chOff x="0" y="0"/>
+          <a:chExt cx="0" cy="0"/>
+        </a:xfrm>
+      </p:grpSpPr>
+      <p:sp>
+        <p:nvSpPr>
+          <p:cNvPr id="4" name="TextBox 3">
+            <a:extLst>
+              <a:ext uri="{FF2B5EF4-FFF2-40B4-BE49-F238E27FC236}">
+                <a16:creationId xmlns:a16="http://schemas.microsoft.com/office/drawing/2014/main" id="{721F0AAE-6D33-253E-520F-48190DAF3C4E}"/>
+              </a:ext>
+            </a:extLst>
+          </p:cNvPr>
+          <p:cNvSpPr txBox="1"/>
+          <p:nvPr/>
+        </p:nvSpPr>
+        <p:spPr>
+          <a:xfrm>
+            <a:off x="4325257" y="420914"/>
+            <a:ext cx="1860959" cy="369332"/>
+          </a:xfrm>
+          <a:prstGeom prst="rect">
+            <a:avLst/>
+          </a:prstGeom>
+          <a:noFill/>
+        </p:spPr>
+        <p:txBody>
+          <a:bodyPr wrap="none" rtlCol="0">
+            <a:spAutoFit/>
+          </a:bodyPr>
+          <a:lstStyle/>
+          <a:p>
+            <a:r>
+              <a:rPr lang="en-US" dirty="0"/>
+              <a:t>Module Summary</a:t>
+            </a:r>
+          </a:p>
+        </p:txBody>
+      </p:sp>
+      <p:sp>
+        <p:nvSpPr>
+          <p:cNvPr id="5" name="Rectangle 4">
+            <a:extLst>
+              <a:ext uri="{FF2B5EF4-FFF2-40B4-BE49-F238E27FC236}">
+                <a16:creationId xmlns:a16="http://schemas.microsoft.com/office/drawing/2014/main" id="{C621BDE4-A82C-4C9A-4E71-AE4AF088A004}"/>
+              </a:ext>
+            </a:extLst>
+          </p:cNvPr>
+          <p:cNvSpPr/>
+          <p:nvPr/>
+        </p:nvSpPr>
+        <p:spPr>
+          <a:xfrm>
+            <a:off x="319314" y="2256972"/>
+            <a:ext cx="5776686" cy="3178629"/>
+          </a:xfrm>
+          <a:prstGeom prst="rect">
+            <a:avLst/>
+          </a:prstGeom>
+          <a:solidFill>
+            <a:schemeClr val="accent2">
+              <a:lumMod val="60000"/>
+              <a:lumOff val="40000"/>
+            </a:schemeClr>
+          </a:solidFill>
+        </p:spPr>
+        <p:style>
+          <a:lnRef idx="2">
+            <a:schemeClr val="accent1">
+              <a:shade val="50000"/>
+            </a:schemeClr>
+          </a:lnRef>
+          <a:fillRef idx="1">
+            <a:schemeClr val="accent1"/>
+          </a:fillRef>
+          <a:effectRef idx="0">
+            <a:schemeClr val="accent1"/>
+          </a:effectRef>
+          <a:fontRef idx="minor">
+            <a:schemeClr val="lt1"/>
+          </a:fontRef>
+        </p:style>
+        <p:txBody>
+          <a:bodyPr rtlCol="0" anchor="ctr"/>
+          <a:lstStyle/>
+          <a:p>
+            <a:pPr marL="285750" indent="-285750" algn="ctr">
+              <a:buFont typeface="Arial" panose="020B0604020202020204" pitchFamily="34" charset="0"/>
+              <a:buChar char="•"/>
+            </a:pPr>
+            <a:r>
+              <a:rPr lang="en-US" dirty="0">
+                <a:ln w="0"/>
+                <a:solidFill>
+                  <a:schemeClr val="tx1"/>
+                </a:solidFill>
+                <a:effectLst>
+                  <a:outerShdw blurRad="38100" dist="19050" dir="2700000" algn="tl" rotWithShape="0">
+                    <a:schemeClr val="dk1">
+                      <a:alpha val="40000"/>
+                    </a:schemeClr>
+                  </a:outerShdw>
+                </a:effectLst>
+              </a:rPr>
+              <a:t>Alternative to SQL databases.</a:t>
+            </a:r>
+          </a:p>
+          <a:p>
+            <a:pPr marL="285750" indent="-285750" algn="ctr">
+              <a:buFont typeface="Arial" panose="020B0604020202020204" pitchFamily="34" charset="0"/>
+              <a:buChar char="•"/>
+            </a:pPr>
+            <a:r>
+              <a:rPr lang="en-US" dirty="0">
+                <a:ln w="0"/>
+                <a:solidFill>
+                  <a:schemeClr val="tx1"/>
+                </a:solidFill>
+                <a:effectLst>
+                  <a:outerShdw blurRad="38100" dist="19050" dir="2700000" algn="tl" rotWithShape="0">
+                    <a:schemeClr val="dk1">
+                      <a:alpha val="40000"/>
+                    </a:schemeClr>
+                  </a:outerShdw>
+                </a:effectLst>
+              </a:rPr>
+              <a:t>No strict schemas, fewer relations</a:t>
+            </a:r>
+          </a:p>
+          <a:p>
+            <a:pPr marL="285750" indent="-285750" algn="ctr">
+              <a:buFont typeface="Arial" panose="020B0604020202020204" pitchFamily="34" charset="0"/>
+              <a:buChar char="•"/>
+            </a:pPr>
+            <a:r>
+              <a:rPr lang="en-US" dirty="0">
+                <a:ln w="0"/>
+                <a:solidFill>
+                  <a:schemeClr val="tx1"/>
+                </a:solidFill>
+                <a:effectLst>
+                  <a:outerShdw blurRad="38100" dist="19050" dir="2700000" algn="tl" rotWithShape="0">
+                    <a:schemeClr val="dk1">
+                      <a:alpha val="40000"/>
+                    </a:schemeClr>
+                  </a:outerShdw>
+                </a:effectLst>
+              </a:rPr>
+              <a:t>We can of course use schemas and reference-based relations but we got more flexibility.</a:t>
+            </a:r>
+          </a:p>
+          <a:p>
+            <a:pPr marL="285750" indent="-285750" algn="ctr">
+              <a:buFont typeface="Arial" panose="020B0604020202020204" pitchFamily="34" charset="0"/>
+              <a:buChar char="•"/>
+            </a:pPr>
+            <a:r>
+              <a:rPr lang="en-US" dirty="0">
+                <a:ln w="0"/>
+                <a:solidFill>
+                  <a:schemeClr val="tx1"/>
+                </a:solidFill>
+                <a:effectLst>
+                  <a:outerShdw blurRad="38100" dist="19050" dir="2700000" algn="tl" rotWithShape="0">
+                    <a:schemeClr val="dk1">
+                      <a:alpha val="40000"/>
+                    </a:schemeClr>
+                  </a:outerShdw>
+                </a:effectLst>
+              </a:rPr>
+              <a:t>Often, relations are also created by embedding other documents/data</a:t>
+            </a:r>
+          </a:p>
+        </p:txBody>
+      </p:sp>
+      <p:sp>
+        <p:nvSpPr>
+          <p:cNvPr id="6" name="Rectangle 5">
+            <a:extLst>
+              <a:ext uri="{FF2B5EF4-FFF2-40B4-BE49-F238E27FC236}">
+                <a16:creationId xmlns:a16="http://schemas.microsoft.com/office/drawing/2014/main" id="{D76CDC29-F845-99DA-E3AA-D37BB0CE73E9}"/>
+              </a:ext>
+            </a:extLst>
+          </p:cNvPr>
+          <p:cNvSpPr/>
+          <p:nvPr/>
+        </p:nvSpPr>
+        <p:spPr>
+          <a:xfrm>
+            <a:off x="6189346" y="2256972"/>
+            <a:ext cx="5776686" cy="3178629"/>
+          </a:xfrm>
+          <a:prstGeom prst="rect">
+            <a:avLst/>
+          </a:prstGeom>
+          <a:solidFill>
+            <a:schemeClr val="accent2">
+              <a:lumMod val="60000"/>
+              <a:lumOff val="40000"/>
+            </a:schemeClr>
+          </a:solidFill>
+        </p:spPr>
+        <p:style>
+          <a:lnRef idx="2">
+            <a:schemeClr val="accent1">
+              <a:shade val="50000"/>
+            </a:schemeClr>
+          </a:lnRef>
+          <a:fillRef idx="1">
+            <a:schemeClr val="accent1"/>
+          </a:fillRef>
+          <a:effectRef idx="0">
+            <a:schemeClr val="accent1"/>
+          </a:effectRef>
+          <a:fontRef idx="minor">
+            <a:schemeClr val="lt1"/>
+          </a:fontRef>
+        </p:style>
+        <p:txBody>
+          <a:bodyPr rtlCol="0" anchor="ctr"/>
+          <a:lstStyle/>
+          <a:p>
+            <a:pPr marL="285750" indent="-285750" algn="ctr">
+              <a:buFont typeface="Arial" panose="020B0604020202020204" pitchFamily="34" charset="0"/>
+              <a:buChar char="•"/>
+            </a:pPr>
+            <a:r>
+              <a:rPr lang="en-US" dirty="0">
+                <a:ln w="0"/>
+                <a:solidFill>
+                  <a:schemeClr val="tx1"/>
+                </a:solidFill>
+                <a:effectLst>
+                  <a:outerShdw blurRad="38100" dist="19050" dir="2700000" algn="tl" rotWithShape="0">
+                    <a:schemeClr val="dk1">
+                      <a:alpha val="40000"/>
+                    </a:schemeClr>
+                  </a:outerShdw>
+                </a:effectLst>
+              </a:rPr>
+              <a:t>Use the official MongoDB Driver</a:t>
+            </a:r>
+          </a:p>
+          <a:p>
+            <a:pPr marL="285750" indent="-285750" algn="ctr">
+              <a:buFont typeface="Arial" panose="020B0604020202020204" pitchFamily="34" charset="0"/>
+              <a:buChar char="•"/>
+            </a:pPr>
+            <a:r>
+              <a:rPr lang="en-US" dirty="0">
+                <a:ln w="0"/>
+                <a:solidFill>
+                  <a:schemeClr val="tx1"/>
+                </a:solidFill>
+                <a:effectLst>
+                  <a:outerShdw blurRad="38100" dist="19050" dir="2700000" algn="tl" rotWithShape="0">
+                    <a:schemeClr val="dk1">
+                      <a:alpha val="40000"/>
+                    </a:schemeClr>
+                  </a:outerShdw>
+                </a:effectLst>
+              </a:rPr>
+              <a:t>Commands like </a:t>
+            </a:r>
+            <a:r>
+              <a:rPr lang="en-US" dirty="0" err="1">
+                <a:ln w="0"/>
+                <a:solidFill>
+                  <a:schemeClr val="tx1"/>
+                </a:solidFill>
+                <a:effectLst>
+                  <a:outerShdw blurRad="38100" dist="19050" dir="2700000" algn="tl" rotWithShape="0">
+                    <a:schemeClr val="dk1">
+                      <a:alpha val="40000"/>
+                    </a:schemeClr>
+                  </a:outerShdw>
+                </a:effectLst>
+              </a:rPr>
+              <a:t>insertOne</a:t>
+            </a:r>
+            <a:r>
+              <a:rPr lang="en-US" dirty="0">
+                <a:ln w="0"/>
+                <a:solidFill>
+                  <a:schemeClr val="tx1"/>
+                </a:solidFill>
+                <a:effectLst>
+                  <a:outerShdw blurRad="38100" dist="19050" dir="2700000" algn="tl" rotWithShape="0">
+                    <a:schemeClr val="dk1">
+                      <a:alpha val="40000"/>
+                    </a:schemeClr>
+                  </a:outerShdw>
+                </a:effectLst>
+              </a:rPr>
+              <a:t>(), find(), </a:t>
+            </a:r>
+            <a:r>
+              <a:rPr lang="en-US" dirty="0" err="1">
+                <a:ln w="0"/>
+                <a:solidFill>
+                  <a:schemeClr val="tx1"/>
+                </a:solidFill>
+                <a:effectLst>
+                  <a:outerShdw blurRad="38100" dist="19050" dir="2700000" algn="tl" rotWithShape="0">
+                    <a:schemeClr val="dk1">
+                      <a:alpha val="40000"/>
+                    </a:schemeClr>
+                  </a:outerShdw>
+                </a:effectLst>
+              </a:rPr>
+              <a:t>updateOne</a:t>
+            </a:r>
+            <a:r>
+              <a:rPr lang="en-US" dirty="0">
+                <a:ln w="0"/>
+                <a:solidFill>
+                  <a:schemeClr val="tx1"/>
+                </a:solidFill>
+                <a:effectLst>
+                  <a:outerShdw blurRad="38100" dist="19050" dir="2700000" algn="tl" rotWithShape="0">
+                    <a:schemeClr val="dk1">
+                      <a:alpha val="40000"/>
+                    </a:schemeClr>
+                  </a:outerShdw>
+                </a:effectLst>
+              </a:rPr>
+              <a:t>() and </a:t>
+            </a:r>
+            <a:r>
+              <a:rPr lang="en-US" dirty="0" err="1">
+                <a:ln w="0"/>
+                <a:solidFill>
+                  <a:schemeClr val="tx1"/>
+                </a:solidFill>
+                <a:effectLst>
+                  <a:outerShdw blurRad="38100" dist="19050" dir="2700000" algn="tl" rotWithShape="0">
+                    <a:schemeClr val="dk1">
+                      <a:alpha val="40000"/>
+                    </a:schemeClr>
+                  </a:outerShdw>
+                </a:effectLst>
+              </a:rPr>
+              <a:t>deleteOne</a:t>
+            </a:r>
+            <a:r>
+              <a:rPr lang="en-US" dirty="0">
+                <a:ln w="0"/>
+                <a:solidFill>
+                  <a:schemeClr val="tx1"/>
+                </a:solidFill>
+                <a:effectLst>
+                  <a:outerShdw blurRad="38100" dist="19050" dir="2700000" algn="tl" rotWithShape="0">
+                    <a:schemeClr val="dk1">
+                      <a:alpha val="40000"/>
+                    </a:schemeClr>
+                  </a:outerShdw>
+                </a:effectLst>
+              </a:rPr>
+              <a:t>() make CRUD-operations very simple.</a:t>
+            </a:r>
+          </a:p>
+          <a:p>
+            <a:pPr marL="285750" indent="-285750" algn="ctr">
+              <a:buFont typeface="Arial" panose="020B0604020202020204" pitchFamily="34" charset="0"/>
+              <a:buChar char="•"/>
+            </a:pPr>
+            <a:r>
+              <a:rPr lang="en-US" dirty="0">
+                <a:ln w="0"/>
+                <a:solidFill>
+                  <a:schemeClr val="tx1"/>
+                </a:solidFill>
+                <a:effectLst>
+                  <a:outerShdw blurRad="38100" dist="19050" dir="2700000" algn="tl" rotWithShape="0">
+                    <a:schemeClr val="dk1">
+                      <a:alpha val="40000"/>
+                    </a:schemeClr>
+                  </a:outerShdw>
+                </a:effectLst>
+              </a:rPr>
+              <a:t>Official docs to learn about all available operations.</a:t>
+            </a:r>
+          </a:p>
+          <a:p>
+            <a:pPr marL="285750" indent="-285750" algn="ctr">
+              <a:buFont typeface="Arial" panose="020B0604020202020204" pitchFamily="34" charset="0"/>
+              <a:buChar char="•"/>
+            </a:pPr>
+            <a:r>
+              <a:rPr lang="en-US" dirty="0">
+                <a:ln w="0"/>
+                <a:solidFill>
+                  <a:schemeClr val="tx1"/>
+                </a:solidFill>
+                <a:effectLst>
+                  <a:outerShdw blurRad="38100" dist="19050" dir="2700000" algn="tl" rotWithShape="0">
+                    <a:schemeClr val="dk1">
+                      <a:alpha val="40000"/>
+                    </a:schemeClr>
+                  </a:outerShdw>
+                </a:effectLst>
+              </a:rPr>
+              <a:t>All operations are promise-based, hence we can easily chain them for more complex flows</a:t>
+            </a:r>
+          </a:p>
+        </p:txBody>
+      </p:sp>
+      <p:sp>
+        <p:nvSpPr>
+          <p:cNvPr id="7" name="Rectangle 6">
+            <a:extLst>
+              <a:ext uri="{FF2B5EF4-FFF2-40B4-BE49-F238E27FC236}">
+                <a16:creationId xmlns:a16="http://schemas.microsoft.com/office/drawing/2014/main" id="{72EB5FA0-EF62-852B-46BA-237FF78DF872}"/>
+              </a:ext>
+            </a:extLst>
+          </p:cNvPr>
+          <p:cNvSpPr/>
+          <p:nvPr/>
+        </p:nvSpPr>
+        <p:spPr>
+          <a:xfrm>
+            <a:off x="319314" y="1632856"/>
+            <a:ext cx="5776686" cy="609601"/>
+          </a:xfrm>
+          <a:prstGeom prst="rect">
+            <a:avLst/>
+          </a:prstGeom>
+          <a:solidFill>
+            <a:schemeClr val="accent2">
+              <a:lumMod val="75000"/>
+            </a:schemeClr>
+          </a:solidFill>
+        </p:spPr>
+        <p:style>
+          <a:lnRef idx="2">
+            <a:schemeClr val="accent1">
+              <a:shade val="50000"/>
+            </a:schemeClr>
+          </a:lnRef>
+          <a:fillRef idx="1">
+            <a:schemeClr val="accent1"/>
+          </a:fillRef>
+          <a:effectRef idx="0">
+            <a:schemeClr val="accent1"/>
+          </a:effectRef>
+          <a:fontRef idx="minor">
+            <a:schemeClr val="lt1"/>
+          </a:fontRef>
+        </p:style>
+        <p:txBody>
+          <a:bodyPr rtlCol="0" anchor="ctr"/>
+          <a:lstStyle/>
+          <a:p>
+            <a:pPr algn="ctr"/>
+            <a:r>
+              <a:rPr lang="en-US" dirty="0">
+                <a:ln w="0"/>
+                <a:solidFill>
+                  <a:schemeClr val="tx1"/>
+                </a:solidFill>
+                <a:effectLst>
+                  <a:outerShdw blurRad="38100" dist="19050" dir="2700000" algn="tl" rotWithShape="0">
+                    <a:schemeClr val="dk1">
+                      <a:alpha val="40000"/>
+                    </a:schemeClr>
+                  </a:outerShdw>
+                </a:effectLst>
+              </a:rPr>
+              <a:t>NoSQL/MongoDB</a:t>
+            </a:r>
+          </a:p>
+        </p:txBody>
+      </p:sp>
+      <p:sp>
+        <p:nvSpPr>
+          <p:cNvPr id="8" name="Rectangle 7">
+            <a:extLst>
+              <a:ext uri="{FF2B5EF4-FFF2-40B4-BE49-F238E27FC236}">
+                <a16:creationId xmlns:a16="http://schemas.microsoft.com/office/drawing/2014/main" id="{9677FCB8-5223-80DD-6C43-2960973E5037}"/>
+              </a:ext>
+            </a:extLst>
+          </p:cNvPr>
+          <p:cNvSpPr/>
+          <p:nvPr/>
+        </p:nvSpPr>
+        <p:spPr>
+          <a:xfrm>
+            <a:off x="6186216" y="1646585"/>
+            <a:ext cx="5776686" cy="609601"/>
+          </a:xfrm>
+          <a:prstGeom prst="rect">
+            <a:avLst/>
+          </a:prstGeom>
+          <a:solidFill>
+            <a:schemeClr val="accent2">
+              <a:lumMod val="50000"/>
+            </a:schemeClr>
+          </a:solidFill>
+        </p:spPr>
+        <p:style>
+          <a:lnRef idx="2">
+            <a:schemeClr val="accent1">
+              <a:shade val="50000"/>
+            </a:schemeClr>
+          </a:lnRef>
+          <a:fillRef idx="1">
+            <a:schemeClr val="accent1"/>
+          </a:fillRef>
+          <a:effectRef idx="0">
+            <a:schemeClr val="accent1"/>
+          </a:effectRef>
+          <a:fontRef idx="minor">
+            <a:schemeClr val="lt1"/>
+          </a:fontRef>
+        </p:style>
+        <p:txBody>
+          <a:bodyPr rtlCol="0" anchor="ctr"/>
+          <a:lstStyle/>
+          <a:p>
+            <a:pPr algn="ctr"/>
+            <a:r>
+              <a:rPr lang="en-US" dirty="0"/>
+              <a:t>Working with MongoDB</a:t>
+            </a:r>
+          </a:p>
+        </p:txBody>
+      </p:sp>
+    </p:spTree>
+    <p:extLst>
+      <p:ext uri="{BB962C8B-B14F-4D97-AF65-F5344CB8AC3E}">
+        <p14:creationId xmlns:p14="http://schemas.microsoft.com/office/powerpoint/2010/main" val="523011871"/>
       </p:ext>
     </p:extLst>
   </p:cSld>

--- a/MongoDB.pptx
+++ b/MongoDB.pptx
@@ -13,6 +13,9 @@
     <p:sldId id="264" r:id="rId7"/>
     <p:sldId id="265" r:id="rId8"/>
     <p:sldId id="266" r:id="rId9"/>
+    <p:sldId id="267" r:id="rId10"/>
+    <p:sldId id="268" r:id="rId11"/>
+    <p:sldId id="269" r:id="rId12"/>
   </p:sldIdLst>
   <p:sldSz cx="12192000" cy="6858000"/>
   <p:notesSz cx="6858000" cy="9144000"/>
@@ -266,7 +269,7 @@
           <a:p>
             <a:fld id="{F65EA627-24C7-42B5-A670-52A60440E9A7}" type="datetimeFigureOut">
               <a:rPr lang="en-US" smtClean="0"/>
-              <a:t>1/12/2023</a:t>
+              <a:t>1/17/2023</a:t>
             </a:fld>
             <a:endParaRPr lang="en-US"/>
           </a:p>
@@ -464,7 +467,7 @@
           <a:p>
             <a:fld id="{F65EA627-24C7-42B5-A670-52A60440E9A7}" type="datetimeFigureOut">
               <a:rPr lang="en-US" smtClean="0"/>
-              <a:t>1/12/2023</a:t>
+              <a:t>1/17/2023</a:t>
             </a:fld>
             <a:endParaRPr lang="en-US"/>
           </a:p>
@@ -672,7 +675,7 @@
           <a:p>
             <a:fld id="{F65EA627-24C7-42B5-A670-52A60440E9A7}" type="datetimeFigureOut">
               <a:rPr lang="en-US" smtClean="0"/>
-              <a:t>1/12/2023</a:t>
+              <a:t>1/17/2023</a:t>
             </a:fld>
             <a:endParaRPr lang="en-US"/>
           </a:p>
@@ -870,7 +873,7 @@
           <a:p>
             <a:fld id="{F65EA627-24C7-42B5-A670-52A60440E9A7}" type="datetimeFigureOut">
               <a:rPr lang="en-US" smtClean="0"/>
-              <a:t>1/12/2023</a:t>
+              <a:t>1/17/2023</a:t>
             </a:fld>
             <a:endParaRPr lang="en-US"/>
           </a:p>
@@ -1145,7 +1148,7 @@
           <a:p>
             <a:fld id="{F65EA627-24C7-42B5-A670-52A60440E9A7}" type="datetimeFigureOut">
               <a:rPr lang="en-US" smtClean="0"/>
-              <a:t>1/12/2023</a:t>
+              <a:t>1/17/2023</a:t>
             </a:fld>
             <a:endParaRPr lang="en-US"/>
           </a:p>
@@ -1410,7 +1413,7 @@
           <a:p>
             <a:fld id="{F65EA627-24C7-42B5-A670-52A60440E9A7}" type="datetimeFigureOut">
               <a:rPr lang="en-US" smtClean="0"/>
-              <a:t>1/12/2023</a:t>
+              <a:t>1/17/2023</a:t>
             </a:fld>
             <a:endParaRPr lang="en-US"/>
           </a:p>
@@ -1822,7 +1825,7 @@
           <a:p>
             <a:fld id="{F65EA627-24C7-42B5-A670-52A60440E9A7}" type="datetimeFigureOut">
               <a:rPr lang="en-US" smtClean="0"/>
-              <a:t>1/12/2023</a:t>
+              <a:t>1/17/2023</a:t>
             </a:fld>
             <a:endParaRPr lang="en-US"/>
           </a:p>
@@ -1963,7 +1966,7 @@
           <a:p>
             <a:fld id="{F65EA627-24C7-42B5-A670-52A60440E9A7}" type="datetimeFigureOut">
               <a:rPr lang="en-US" smtClean="0"/>
-              <a:t>1/12/2023</a:t>
+              <a:t>1/17/2023</a:t>
             </a:fld>
             <a:endParaRPr lang="en-US"/>
           </a:p>
@@ -2076,7 +2079,7 @@
           <a:p>
             <a:fld id="{F65EA627-24C7-42B5-A670-52A60440E9A7}" type="datetimeFigureOut">
               <a:rPr lang="en-US" smtClean="0"/>
-              <a:t>1/12/2023</a:t>
+              <a:t>1/17/2023</a:t>
             </a:fld>
             <a:endParaRPr lang="en-US"/>
           </a:p>
@@ -2387,7 +2390,7 @@
           <a:p>
             <a:fld id="{F65EA627-24C7-42B5-A670-52A60440E9A7}" type="datetimeFigureOut">
               <a:rPr lang="en-US" smtClean="0"/>
-              <a:t>1/12/2023</a:t>
+              <a:t>1/17/2023</a:t>
             </a:fld>
             <a:endParaRPr lang="en-US"/>
           </a:p>
@@ -2675,7 +2678,7 @@
           <a:p>
             <a:fld id="{F65EA627-24C7-42B5-A670-52A60440E9A7}" type="datetimeFigureOut">
               <a:rPr lang="en-US" smtClean="0"/>
-              <a:t>1/12/2023</a:t>
+              <a:t>1/17/2023</a:t>
             </a:fld>
             <a:endParaRPr lang="en-US"/>
           </a:p>
@@ -2916,7 +2919,7 @@
           <a:p>
             <a:fld id="{F65EA627-24C7-42B5-A670-52A60440E9A7}" type="datetimeFigureOut">
               <a:rPr lang="en-US" smtClean="0"/>
-              <a:t>1/12/2023</a:t>
+              <a:t>1/17/2023</a:t>
             </a:fld>
             <a:endParaRPr lang="en-US"/>
           </a:p>
@@ -3365,6 +3368,302 @@
     <p:extLst>
       <p:ext uri="{BB962C8B-B14F-4D97-AF65-F5344CB8AC3E}">
         <p14:creationId xmlns:p14="http://schemas.microsoft.com/office/powerpoint/2010/main" val="586505246"/>
+      </p:ext>
+    </p:extLst>
+  </p:cSld>
+  <p:clrMapOvr>
+    <a:masterClrMapping/>
+  </p:clrMapOvr>
+</p:sld>
+</file>
+
+<file path=ppt/slides/slide10.xml><?xml version="1.0" encoding="utf-8"?>
+<p:sld xmlns:a="http://schemas.openxmlformats.org/drawingml/2006/main" xmlns:r="http://schemas.openxmlformats.org/officeDocument/2006/relationships" xmlns:p="http://schemas.openxmlformats.org/presentationml/2006/main">
+  <p:cSld>
+    <p:spTree>
+      <p:nvGrpSpPr>
+        <p:cNvPr id="1" name=""/>
+        <p:cNvGrpSpPr/>
+        <p:nvPr/>
+      </p:nvGrpSpPr>
+      <p:grpSpPr>
+        <a:xfrm>
+          <a:off x="0" y="0"/>
+          <a:ext cx="0" cy="0"/>
+          <a:chOff x="0" y="0"/>
+          <a:chExt cx="0" cy="0"/>
+        </a:xfrm>
+      </p:grpSpPr>
+      <p:sp>
+        <p:nvSpPr>
+          <p:cNvPr id="2" name="Title 1">
+            <a:extLst>
+              <a:ext uri="{FF2B5EF4-FFF2-40B4-BE49-F238E27FC236}">
+                <a16:creationId xmlns:a16="http://schemas.microsoft.com/office/drawing/2014/main" id="{A5ECBCE2-3CAC-F80B-E0D8-3370673B6F63}"/>
+              </a:ext>
+            </a:extLst>
+          </p:cNvPr>
+          <p:cNvSpPr>
+            <a:spLocks noGrp="1"/>
+          </p:cNvSpPr>
+          <p:nvPr>
+            <p:ph type="title"/>
+          </p:nvPr>
+        </p:nvSpPr>
+        <p:spPr/>
+        <p:txBody>
+          <a:bodyPr/>
+          <a:lstStyle/>
+          <a:p>
+            <a:r>
+              <a:rPr lang="en-US" dirty="0"/>
+              <a:t>Core Concepts</a:t>
+            </a:r>
+          </a:p>
+        </p:txBody>
+      </p:sp>
+      <p:sp>
+        <p:nvSpPr>
+          <p:cNvPr id="3" name="Content Placeholder 2">
+            <a:extLst>
+              <a:ext uri="{FF2B5EF4-FFF2-40B4-BE49-F238E27FC236}">
+                <a16:creationId xmlns:a16="http://schemas.microsoft.com/office/drawing/2014/main" id="{C459C451-8C89-069B-C563-CEE8E08A580B}"/>
+              </a:ext>
+            </a:extLst>
+          </p:cNvPr>
+          <p:cNvSpPr>
+            <a:spLocks noGrp="1"/>
+          </p:cNvSpPr>
+          <p:nvPr>
+            <p:ph idx="1"/>
+          </p:nvPr>
+        </p:nvSpPr>
+        <p:spPr/>
+        <p:txBody>
+          <a:bodyPr/>
+          <a:lstStyle/>
+          <a:p>
+            <a:pPr marL="0" indent="0">
+              <a:buNone/>
+            </a:pPr>
+            <a:r>
+              <a:rPr lang="en-US" dirty="0"/>
+              <a:t>Schemas &amp; Models 			- e.g. User, Product</a:t>
+            </a:r>
+          </a:p>
+          <a:p>
+            <a:pPr marL="0" indent="0">
+              <a:buNone/>
+            </a:pPr>
+            <a:r>
+              <a:rPr lang="en-US" dirty="0"/>
+              <a:t>Instances					- const user = new User;</a:t>
+            </a:r>
+          </a:p>
+          <a:p>
+            <a:pPr marL="0" indent="0">
+              <a:buNone/>
+            </a:pPr>
+            <a:r>
+              <a:rPr lang="en-US" dirty="0"/>
+              <a:t>Queries					-</a:t>
+            </a:r>
+            <a:r>
+              <a:rPr lang="en-US" dirty="0" err="1"/>
+              <a:t>User.find</a:t>
+            </a:r>
+            <a:r>
+              <a:rPr lang="en-US" dirty="0"/>
+              <a:t>()</a:t>
+            </a:r>
+          </a:p>
+        </p:txBody>
+      </p:sp>
+    </p:spTree>
+    <p:extLst>
+      <p:ext uri="{BB962C8B-B14F-4D97-AF65-F5344CB8AC3E}">
+        <p14:creationId xmlns:p14="http://schemas.microsoft.com/office/powerpoint/2010/main" val="4156797059"/>
+      </p:ext>
+    </p:extLst>
+  </p:cSld>
+  <p:clrMapOvr>
+    <a:masterClrMapping/>
+  </p:clrMapOvr>
+</p:sld>
+</file>
+
+<file path=ppt/slides/slide11.xml><?xml version="1.0" encoding="utf-8"?>
+<p:sld xmlns:a="http://schemas.openxmlformats.org/drawingml/2006/main" xmlns:r="http://schemas.openxmlformats.org/officeDocument/2006/relationships" xmlns:p="http://schemas.openxmlformats.org/presentationml/2006/main">
+  <p:cSld>
+    <p:spTree>
+      <p:nvGrpSpPr>
+        <p:cNvPr id="1" name=""/>
+        <p:cNvGrpSpPr/>
+        <p:nvPr/>
+      </p:nvGrpSpPr>
+      <p:grpSpPr>
+        <a:xfrm>
+          <a:off x="0" y="0"/>
+          <a:ext cx="0" cy="0"/>
+          <a:chOff x="0" y="0"/>
+          <a:chExt cx="0" cy="0"/>
+        </a:xfrm>
+      </p:grpSpPr>
+      <p:sp>
+        <p:nvSpPr>
+          <p:cNvPr id="2" name="Title 1">
+            <a:extLst>
+              <a:ext uri="{FF2B5EF4-FFF2-40B4-BE49-F238E27FC236}">
+                <a16:creationId xmlns:a16="http://schemas.microsoft.com/office/drawing/2014/main" id="{B1CA57FD-885F-FDA1-B62E-982F4D59E6CF}"/>
+              </a:ext>
+            </a:extLst>
+          </p:cNvPr>
+          <p:cNvSpPr>
+            <a:spLocks noGrp="1"/>
+          </p:cNvSpPr>
+          <p:nvPr>
+            <p:ph type="title"/>
+          </p:nvPr>
+        </p:nvSpPr>
+        <p:spPr/>
+        <p:txBody>
+          <a:bodyPr/>
+          <a:lstStyle/>
+          <a:p>
+            <a:r>
+              <a:rPr lang="en-US" dirty="0"/>
+              <a:t>Mongoose</a:t>
+            </a:r>
+          </a:p>
+        </p:txBody>
+      </p:sp>
+      <p:sp>
+        <p:nvSpPr>
+          <p:cNvPr id="3" name="Content Placeholder 2">
+            <a:extLst>
+              <a:ext uri="{FF2B5EF4-FFF2-40B4-BE49-F238E27FC236}">
+                <a16:creationId xmlns:a16="http://schemas.microsoft.com/office/drawing/2014/main" id="{1114EF55-A1DE-807D-354B-2AD2869E5697}"/>
+              </a:ext>
+            </a:extLst>
+          </p:cNvPr>
+          <p:cNvSpPr>
+            <a:spLocks noGrp="1"/>
+          </p:cNvSpPr>
+          <p:nvPr>
+            <p:ph idx="1"/>
+          </p:nvPr>
+        </p:nvSpPr>
+        <p:spPr/>
+        <p:txBody>
+          <a:bodyPr>
+            <a:normAutofit fontScale="85000" lnSpcReduction="20000"/>
+          </a:bodyPr>
+          <a:lstStyle/>
+          <a:p>
+            <a:pPr marL="514350" indent="-514350">
+              <a:buAutoNum type="arabicPeriod"/>
+            </a:pPr>
+            <a:r>
+              <a:rPr lang="en-US" dirty="0"/>
+              <a:t>Connecting to the MongoDB Server with Mongoose</a:t>
+            </a:r>
+          </a:p>
+          <a:p>
+            <a:pPr marL="514350" indent="-514350">
+              <a:buAutoNum type="arabicPeriod"/>
+            </a:pPr>
+            <a:r>
+              <a:rPr lang="en-US" dirty="0"/>
+              <a:t>Saving data through mongoose.</a:t>
+            </a:r>
+          </a:p>
+          <a:p>
+            <a:pPr marL="514350" indent="-514350">
+              <a:buAutoNum type="arabicPeriod"/>
+            </a:pPr>
+            <a:r>
+              <a:rPr lang="en-US" dirty="0"/>
+              <a:t>Fetching all products.</a:t>
+            </a:r>
+          </a:p>
+          <a:p>
+            <a:pPr marL="514350" indent="-514350">
+              <a:buAutoNum type="arabicPeriod"/>
+            </a:pPr>
+            <a:r>
+              <a:rPr lang="en-US" dirty="0"/>
+              <a:t>Fetching a Single Product.</a:t>
+            </a:r>
+          </a:p>
+          <a:p>
+            <a:pPr marL="514350" indent="-514350">
+              <a:buAutoNum type="arabicPeriod"/>
+            </a:pPr>
+            <a:r>
+              <a:rPr lang="en-US" dirty="0"/>
+              <a:t>Updating products.</a:t>
+            </a:r>
+          </a:p>
+          <a:p>
+            <a:pPr marL="514350" indent="-514350">
+              <a:buAutoNum type="arabicPeriod"/>
+            </a:pPr>
+            <a:r>
+              <a:rPr lang="en-US" dirty="0"/>
+              <a:t>Deleting Products</a:t>
+            </a:r>
+          </a:p>
+          <a:p>
+            <a:pPr marL="514350" indent="-514350">
+              <a:buAutoNum type="arabicPeriod"/>
+            </a:pPr>
+            <a:r>
+              <a:rPr lang="en-US" dirty="0"/>
+              <a:t>Adding and Using a User Model</a:t>
+            </a:r>
+          </a:p>
+          <a:p>
+            <a:pPr marL="514350" indent="-514350">
+              <a:buAutoNum type="arabicPeriod"/>
+            </a:pPr>
+            <a:r>
+              <a:rPr lang="en-US" dirty="0"/>
+              <a:t>Using Relations in Mongoose</a:t>
+            </a:r>
+          </a:p>
+          <a:p>
+            <a:pPr marL="514350" indent="-514350">
+              <a:buAutoNum type="arabicPeriod"/>
+            </a:pPr>
+            <a:r>
+              <a:rPr lang="en-US" dirty="0"/>
+              <a:t>Working on the Shopping Cart</a:t>
+            </a:r>
+          </a:p>
+          <a:p>
+            <a:pPr marL="514350" indent="-514350">
+              <a:buAutoNum type="arabicPeriod"/>
+            </a:pPr>
+            <a:r>
+              <a:rPr lang="en-US" dirty="0"/>
+              <a:t>Loading Cart</a:t>
+            </a:r>
+          </a:p>
+          <a:p>
+            <a:pPr marL="514350" indent="-514350">
+              <a:buAutoNum type="arabicPeriod"/>
+            </a:pPr>
+            <a:r>
+              <a:rPr lang="en-US" dirty="0"/>
+              <a:t>Deleting Cart</a:t>
+            </a:r>
+          </a:p>
+        </p:txBody>
+      </p:sp>
+    </p:spTree>
+    <p:extLst>
+      <p:ext uri="{BB962C8B-B14F-4D97-AF65-F5344CB8AC3E}">
+        <p14:creationId xmlns:p14="http://schemas.microsoft.com/office/powerpoint/2010/main" val="134882894"/>
       </p:ext>
     </p:extLst>
   </p:cSld>
@@ -7953,6 +8252,103 @@
 </p:sld>
 </file>
 
+<file path=ppt/slides/slide9.xml><?xml version="1.0" encoding="utf-8"?>
+<p:sld xmlns:a="http://schemas.openxmlformats.org/drawingml/2006/main" xmlns:r="http://schemas.openxmlformats.org/officeDocument/2006/relationships" xmlns:p="http://schemas.openxmlformats.org/presentationml/2006/main">
+  <p:cSld>
+    <p:spTree>
+      <p:nvGrpSpPr>
+        <p:cNvPr id="1" name=""/>
+        <p:cNvGrpSpPr/>
+        <p:nvPr/>
+      </p:nvGrpSpPr>
+      <p:grpSpPr>
+        <a:xfrm>
+          <a:off x="0" y="0"/>
+          <a:ext cx="0" cy="0"/>
+          <a:chOff x="0" y="0"/>
+          <a:chExt cx="0" cy="0"/>
+        </a:xfrm>
+      </p:grpSpPr>
+      <p:sp>
+        <p:nvSpPr>
+          <p:cNvPr id="2" name="Title 1">
+            <a:extLst>
+              <a:ext uri="{FF2B5EF4-FFF2-40B4-BE49-F238E27FC236}">
+                <a16:creationId xmlns:a16="http://schemas.microsoft.com/office/drawing/2014/main" id="{2A3DAECD-F91C-BE88-484F-2A9B2E99A026}"/>
+              </a:ext>
+            </a:extLst>
+          </p:cNvPr>
+          <p:cNvSpPr>
+            <a:spLocks noGrp="1"/>
+          </p:cNvSpPr>
+          <p:nvPr>
+            <p:ph type="title"/>
+          </p:nvPr>
+        </p:nvSpPr>
+        <p:spPr/>
+        <p:txBody>
+          <a:bodyPr/>
+          <a:lstStyle/>
+          <a:p>
+            <a:r>
+              <a:rPr lang="en-US" dirty="0"/>
+              <a:t>What is Mongoose</a:t>
+            </a:r>
+          </a:p>
+        </p:txBody>
+      </p:sp>
+      <p:sp>
+        <p:nvSpPr>
+          <p:cNvPr id="3" name="Content Placeholder 2">
+            <a:extLst>
+              <a:ext uri="{FF2B5EF4-FFF2-40B4-BE49-F238E27FC236}">
+                <a16:creationId xmlns:a16="http://schemas.microsoft.com/office/drawing/2014/main" id="{57C53163-54B3-7AB3-94DD-BE5E022DC7A7}"/>
+              </a:ext>
+            </a:extLst>
+          </p:cNvPr>
+          <p:cNvSpPr>
+            <a:spLocks noGrp="1"/>
+          </p:cNvSpPr>
+          <p:nvPr>
+            <p:ph idx="1"/>
+          </p:nvPr>
+        </p:nvSpPr>
+        <p:spPr/>
+        <p:txBody>
+          <a:bodyPr/>
+          <a:lstStyle/>
+          <a:p>
+            <a:pPr marL="0" indent="0">
+              <a:buNone/>
+            </a:pPr>
+            <a:r>
+              <a:rPr lang="en-US" dirty="0"/>
+              <a:t>A </a:t>
+            </a:r>
+            <a:r>
+              <a:rPr lang="en-US" dirty="0" err="1"/>
+              <a:t>Obect</a:t>
+            </a:r>
+            <a:r>
+              <a:rPr lang="en-US" dirty="0"/>
+              <a:t>-Document Mapping Library - ODM</a:t>
+            </a:r>
+          </a:p>
+        </p:txBody>
+      </p:sp>
+    </p:spTree>
+    <p:extLst>
+      <p:ext uri="{BB962C8B-B14F-4D97-AF65-F5344CB8AC3E}">
+        <p14:creationId xmlns:p14="http://schemas.microsoft.com/office/powerpoint/2010/main" val="3442813731"/>
+      </p:ext>
+    </p:extLst>
+  </p:cSld>
+  <p:clrMapOvr>
+    <a:masterClrMapping/>
+  </p:clrMapOvr>
+</p:sld>
+</file>
+
 <file path=ppt/theme/theme1.xml><?xml version="1.0" encoding="utf-8"?>
 <a:theme xmlns:a="http://schemas.openxmlformats.org/drawingml/2006/main" name="Office Theme">
   <a:themeElements>
